--- a/src/images/8x architecture.pptx
+++ b/src/images/8x architecture.pptx
@@ -5,7 +5,7 @@
     <p:sldMasterId id="2147483648" r:id="rId5"/>
   </p:sldMasterIdLst>
   <p:notesMasterIdLst>
-    <p:notesMasterId r:id="rId12"/>
+    <p:notesMasterId r:id="rId13"/>
   </p:notesMasterIdLst>
   <p:sldIdLst>
     <p:sldId id="600" r:id="rId6"/>
@@ -14,6 +14,7 @@
     <p:sldId id="603" r:id="rId9"/>
     <p:sldId id="604" r:id="rId10"/>
     <p:sldId id="605" r:id="rId11"/>
+    <p:sldId id="608" r:id="rId12"/>
   </p:sldIdLst>
   <p:sldSz cx="12192000" cy="6858000"/>
   <p:notesSz cx="6858000" cy="9144000"/>
@@ -210,7 +211,7 @@
           <a:p>
             <a:fld id="{BED80021-7034-4FE5-B3D8-21FDBDC42AB2}" type="datetimeFigureOut">
               <a:rPr lang="en-US" smtClean="0"/>
-              <a:t>13/08/24</a:t>
+              <a:t>22/08/24</a:t>
             </a:fld>
             <a:endParaRPr lang="en-US"/>
           </a:p>
@@ -624,7 +625,7 @@
           <a:p>
             <a:fld id="{87473A23-B634-4CAE-A636-76BD3C087A01}" type="datetimeFigureOut">
               <a:rPr lang="en-US" smtClean="0"/>
-              <a:t>13/08/24</a:t>
+              <a:t>22/08/24</a:t>
             </a:fld>
             <a:endParaRPr lang="en-US"/>
           </a:p>
@@ -822,7 +823,7 @@
           <a:p>
             <a:fld id="{87473A23-B634-4CAE-A636-76BD3C087A01}" type="datetimeFigureOut">
               <a:rPr lang="en-US" smtClean="0"/>
-              <a:t>13/08/24</a:t>
+              <a:t>22/08/24</a:t>
             </a:fld>
             <a:endParaRPr lang="en-US"/>
           </a:p>
@@ -1030,7 +1031,7 @@
           <a:p>
             <a:fld id="{87473A23-B634-4CAE-A636-76BD3C087A01}" type="datetimeFigureOut">
               <a:rPr lang="en-US" smtClean="0"/>
-              <a:t>13/08/24</a:t>
+              <a:t>22/08/24</a:t>
             </a:fld>
             <a:endParaRPr lang="en-US"/>
           </a:p>
@@ -1228,7 +1229,7 @@
           <a:p>
             <a:fld id="{87473A23-B634-4CAE-A636-76BD3C087A01}" type="datetimeFigureOut">
               <a:rPr lang="en-US" smtClean="0"/>
-              <a:t>13/08/24</a:t>
+              <a:t>22/08/24</a:t>
             </a:fld>
             <a:endParaRPr lang="en-US"/>
           </a:p>
@@ -1503,7 +1504,7 @@
           <a:p>
             <a:fld id="{87473A23-B634-4CAE-A636-76BD3C087A01}" type="datetimeFigureOut">
               <a:rPr lang="en-US" smtClean="0"/>
-              <a:t>13/08/24</a:t>
+              <a:t>22/08/24</a:t>
             </a:fld>
             <a:endParaRPr lang="en-US"/>
           </a:p>
@@ -1768,7 +1769,7 @@
           <a:p>
             <a:fld id="{87473A23-B634-4CAE-A636-76BD3C087A01}" type="datetimeFigureOut">
               <a:rPr lang="en-US" smtClean="0"/>
-              <a:t>13/08/24</a:t>
+              <a:t>22/08/24</a:t>
             </a:fld>
             <a:endParaRPr lang="en-US"/>
           </a:p>
@@ -2180,7 +2181,7 @@
           <a:p>
             <a:fld id="{87473A23-B634-4CAE-A636-76BD3C087A01}" type="datetimeFigureOut">
               <a:rPr lang="en-US" smtClean="0"/>
-              <a:t>13/08/24</a:t>
+              <a:t>22/08/24</a:t>
             </a:fld>
             <a:endParaRPr lang="en-US"/>
           </a:p>
@@ -2321,7 +2322,7 @@
           <a:p>
             <a:fld id="{87473A23-B634-4CAE-A636-76BD3C087A01}" type="datetimeFigureOut">
               <a:rPr lang="en-US" smtClean="0"/>
-              <a:t>13/08/24</a:t>
+              <a:t>22/08/24</a:t>
             </a:fld>
             <a:endParaRPr lang="en-US"/>
           </a:p>
@@ -2434,7 +2435,7 @@
           <a:p>
             <a:fld id="{87473A23-B634-4CAE-A636-76BD3C087A01}" type="datetimeFigureOut">
               <a:rPr lang="en-US" smtClean="0"/>
-              <a:t>13/08/24</a:t>
+              <a:t>22/08/24</a:t>
             </a:fld>
             <a:endParaRPr lang="en-US"/>
           </a:p>
@@ -2745,7 +2746,7 @@
           <a:p>
             <a:fld id="{87473A23-B634-4CAE-A636-76BD3C087A01}" type="datetimeFigureOut">
               <a:rPr lang="en-US" smtClean="0"/>
-              <a:t>13/08/24</a:t>
+              <a:t>22/08/24</a:t>
             </a:fld>
             <a:endParaRPr lang="en-US"/>
           </a:p>
@@ -3033,7 +3034,7 @@
           <a:p>
             <a:fld id="{87473A23-B634-4CAE-A636-76BD3C087A01}" type="datetimeFigureOut">
               <a:rPr lang="en-US" smtClean="0"/>
-              <a:t>13/08/24</a:t>
+              <a:t>22/08/24</a:t>
             </a:fld>
             <a:endParaRPr lang="en-US"/>
           </a:p>
@@ -3274,7 +3275,7 @@
           <a:p>
             <a:fld id="{87473A23-B634-4CAE-A636-76BD3C087A01}" type="datetimeFigureOut">
               <a:rPr lang="en-US" smtClean="0"/>
-              <a:t>13/08/24</a:t>
+              <a:t>22/08/24</a:t>
             </a:fld>
             <a:endParaRPr lang="en-US"/>
           </a:p>
@@ -10475,6 +10476,1569 @@
     <p:extLst>
       <p:ext uri="{BB962C8B-B14F-4D97-AF65-F5344CB8AC3E}">
         <p14:creationId xmlns:p14="http://schemas.microsoft.com/office/powerpoint/2010/main" val="1883592792"/>
+      </p:ext>
+    </p:extLst>
+  </p:cSld>
+  <p:clrMapOvr>
+    <a:masterClrMapping/>
+  </p:clrMapOvr>
+</p:sld>
+</file>
+
+<file path=ppt/slides/slide7.xml><?xml version="1.0" encoding="utf-8"?>
+<p:sld xmlns:a="http://schemas.openxmlformats.org/drawingml/2006/main" xmlns:r="http://schemas.openxmlformats.org/officeDocument/2006/relationships" xmlns:p="http://schemas.openxmlformats.org/presentationml/2006/main">
+  <p:cSld>
+    <p:spTree>
+      <p:nvGrpSpPr>
+        <p:cNvPr id="1" name=""/>
+        <p:cNvGrpSpPr/>
+        <p:nvPr/>
+      </p:nvGrpSpPr>
+      <p:grpSpPr>
+        <a:xfrm>
+          <a:off x="0" y="0"/>
+          <a:ext cx="0" cy="0"/>
+          <a:chOff x="0" y="0"/>
+          <a:chExt cx="0" cy="0"/>
+        </a:xfrm>
+      </p:grpSpPr>
+      <p:grpSp>
+        <p:nvGrpSpPr>
+          <p:cNvPr id="4" name="Group 3">
+            <a:extLst>
+              <a:ext uri="{FF2B5EF4-FFF2-40B4-BE49-F238E27FC236}">
+                <a16:creationId xmlns:a16="http://schemas.microsoft.com/office/drawing/2014/main" id="{2C4507F6-9016-81C5-6CA7-6B7F08FC368D}"/>
+              </a:ext>
+            </a:extLst>
+          </p:cNvPr>
+          <p:cNvGrpSpPr/>
+          <p:nvPr/>
+        </p:nvGrpSpPr>
+        <p:grpSpPr>
+          <a:xfrm>
+            <a:off x="1573672" y="247337"/>
+            <a:ext cx="9001563" cy="5840128"/>
+            <a:chOff x="1573672" y="247337"/>
+            <a:chExt cx="9001563" cy="5840128"/>
+          </a:xfrm>
+        </p:grpSpPr>
+        <p:sp>
+          <p:nvSpPr>
+            <p:cNvPr id="2" name="Rectangle 1">
+              <a:extLst>
+                <a:ext uri="{FF2B5EF4-FFF2-40B4-BE49-F238E27FC236}">
+                  <a16:creationId xmlns:a16="http://schemas.microsoft.com/office/drawing/2014/main" id="{E329688C-2F53-C0DA-C97F-3725B8EF6D11}"/>
+                </a:ext>
+              </a:extLst>
+            </p:cNvPr>
+            <p:cNvSpPr/>
+            <p:nvPr/>
+          </p:nvSpPr>
+          <p:spPr>
+            <a:xfrm>
+              <a:off x="6559826" y="647448"/>
+              <a:ext cx="4015409" cy="5440017"/>
+            </a:xfrm>
+            <a:prstGeom prst="rect">
+              <a:avLst/>
+            </a:prstGeom>
+            <a:solidFill>
+              <a:schemeClr val="accent2">
+                <a:lumMod val="60000"/>
+                <a:lumOff val="40000"/>
+              </a:schemeClr>
+            </a:solidFill>
+            <a:ln>
+              <a:noFill/>
+            </a:ln>
+          </p:spPr>
+          <p:style>
+            <a:lnRef idx="2">
+              <a:schemeClr val="accent1">
+                <a:shade val="50000"/>
+              </a:schemeClr>
+            </a:lnRef>
+            <a:fillRef idx="1">
+              <a:schemeClr val="accent1"/>
+            </a:fillRef>
+            <a:effectRef idx="0">
+              <a:schemeClr val="accent1"/>
+            </a:effectRef>
+            <a:fontRef idx="minor">
+              <a:schemeClr val="lt1"/>
+            </a:fontRef>
+          </p:style>
+          <p:txBody>
+            <a:bodyPr rtlCol="0" anchor="ctr"/>
+            <a:lstStyle/>
+            <a:p>
+              <a:pPr algn="ctr"/>
+              <a:endParaRPr lang="en-US" sz="1200" dirty="0">
+                <a:solidFill>
+                  <a:schemeClr val="tx1"/>
+                </a:solidFill>
+              </a:endParaRPr>
+            </a:p>
+          </p:txBody>
+        </p:sp>
+        <p:sp>
+          <p:nvSpPr>
+            <p:cNvPr id="3" name="Rectangle 2">
+              <a:extLst>
+                <a:ext uri="{FF2B5EF4-FFF2-40B4-BE49-F238E27FC236}">
+                  <a16:creationId xmlns:a16="http://schemas.microsoft.com/office/drawing/2014/main" id="{AB06FC49-63EE-AEDD-91B4-39C3B04AC18B}"/>
+                </a:ext>
+              </a:extLst>
+            </p:cNvPr>
+            <p:cNvSpPr/>
+            <p:nvPr/>
+          </p:nvSpPr>
+          <p:spPr>
+            <a:xfrm>
+              <a:off x="1573672" y="647448"/>
+              <a:ext cx="2011040" cy="5440017"/>
+            </a:xfrm>
+            <a:prstGeom prst="rect">
+              <a:avLst/>
+            </a:prstGeom>
+            <a:solidFill>
+              <a:schemeClr val="accent2">
+                <a:lumMod val="60000"/>
+                <a:lumOff val="40000"/>
+              </a:schemeClr>
+            </a:solidFill>
+            <a:ln>
+              <a:noFill/>
+            </a:ln>
+          </p:spPr>
+          <p:style>
+            <a:lnRef idx="2">
+              <a:schemeClr val="accent1">
+                <a:shade val="50000"/>
+              </a:schemeClr>
+            </a:lnRef>
+            <a:fillRef idx="1">
+              <a:schemeClr val="accent1"/>
+            </a:fillRef>
+            <a:effectRef idx="0">
+              <a:schemeClr val="accent1"/>
+            </a:effectRef>
+            <a:fontRef idx="minor">
+              <a:schemeClr val="lt1"/>
+            </a:fontRef>
+          </p:style>
+          <p:txBody>
+            <a:bodyPr rtlCol="0" anchor="ctr" anchorCtr="0"/>
+            <a:lstStyle/>
+            <a:p>
+              <a:pPr algn="ctr"/>
+              <a:r>
+                <a:rPr lang="en-US" sz="1200" dirty="0">
+                  <a:solidFill>
+                    <a:schemeClr val="tx1"/>
+                  </a:solidFill>
+                </a:rPr>
+                <a:t> </a:t>
+              </a:r>
+            </a:p>
+          </p:txBody>
+        </p:sp>
+        <p:sp>
+          <p:nvSpPr>
+            <p:cNvPr id="11" name="TextBox 10">
+              <a:extLst>
+                <a:ext uri="{FF2B5EF4-FFF2-40B4-BE49-F238E27FC236}">
+                  <a16:creationId xmlns:a16="http://schemas.microsoft.com/office/drawing/2014/main" id="{9DBA4DAB-D2D2-A87E-1E28-501DD4C7B031}"/>
+                </a:ext>
+              </a:extLst>
+            </p:cNvPr>
+            <p:cNvSpPr txBox="1"/>
+            <p:nvPr/>
+          </p:nvSpPr>
+          <p:spPr>
+            <a:xfrm>
+              <a:off x="1573672" y="247337"/>
+              <a:ext cx="1876708" cy="400110"/>
+            </a:xfrm>
+            <a:prstGeom prst="rect">
+              <a:avLst/>
+            </a:prstGeom>
+            <a:noFill/>
+          </p:spPr>
+          <p:txBody>
+            <a:bodyPr wrap="square" rtlCol="0">
+              <a:spAutoFit/>
+            </a:bodyPr>
+            <a:lstStyle/>
+            <a:p>
+              <a:pPr algn="ctr"/>
+              <a:r>
+                <a:rPr lang="en-US" sz="2000" dirty="0"/>
+                <a:t>Client</a:t>
+              </a:r>
+            </a:p>
+          </p:txBody>
+        </p:sp>
+        <p:grpSp>
+          <p:nvGrpSpPr>
+            <p:cNvPr id="12" name="Group 11">
+              <a:extLst>
+                <a:ext uri="{FF2B5EF4-FFF2-40B4-BE49-F238E27FC236}">
+                  <a16:creationId xmlns:a16="http://schemas.microsoft.com/office/drawing/2014/main" id="{45C60AB7-DA95-2E27-9233-D38D7B4D0430}"/>
+                </a:ext>
+              </a:extLst>
+            </p:cNvPr>
+            <p:cNvGrpSpPr/>
+            <p:nvPr/>
+          </p:nvGrpSpPr>
+          <p:grpSpPr>
+            <a:xfrm>
+              <a:off x="3584711" y="975331"/>
+              <a:ext cx="2975115" cy="759405"/>
+              <a:chOff x="3584711" y="975331"/>
+              <a:chExt cx="2975115" cy="759405"/>
+            </a:xfrm>
+          </p:grpSpPr>
+          <p:sp>
+            <p:nvSpPr>
+              <p:cNvPr id="17" name="TextBox 16">
+                <a:extLst>
+                  <a:ext uri="{FF2B5EF4-FFF2-40B4-BE49-F238E27FC236}">
+                    <a16:creationId xmlns:a16="http://schemas.microsoft.com/office/drawing/2014/main" id="{24F27737-8102-B274-F721-EB15B013072E}"/>
+                  </a:ext>
+                </a:extLst>
+              </p:cNvPr>
+              <p:cNvSpPr txBox="1"/>
+              <p:nvPr/>
+            </p:nvSpPr>
+            <p:spPr>
+              <a:xfrm>
+                <a:off x="3584711" y="975331"/>
+                <a:ext cx="788506" cy="276999"/>
+              </a:xfrm>
+              <a:prstGeom prst="rect">
+                <a:avLst/>
+              </a:prstGeom>
+              <a:noFill/>
+            </p:spPr>
+            <p:txBody>
+              <a:bodyPr wrap="square" rtlCol="0">
+                <a:spAutoFit/>
+              </a:bodyPr>
+              <a:lstStyle/>
+              <a:p>
+                <a:pPr algn="ctr"/>
+                <a:r>
+                  <a:rPr lang="en-US" sz="1200" dirty="0"/>
+                  <a:t>enqueue</a:t>
+                </a:r>
+              </a:p>
+            </p:txBody>
+          </p:sp>
+          <p:cxnSp>
+            <p:nvCxnSpPr>
+              <p:cNvPr id="19" name="Straight Arrow Connector 18">
+                <a:extLst>
+                  <a:ext uri="{FF2B5EF4-FFF2-40B4-BE49-F238E27FC236}">
+                    <a16:creationId xmlns:a16="http://schemas.microsoft.com/office/drawing/2014/main" id="{D699E4AB-FE1D-5DB0-C490-42BF6D9A6C25}"/>
+                  </a:ext>
+                </a:extLst>
+              </p:cNvPr>
+              <p:cNvCxnSpPr>
+                <a:cxnSpLocks/>
+              </p:cNvCxnSpPr>
+              <p:nvPr/>
+            </p:nvCxnSpPr>
+            <p:spPr>
+              <a:xfrm>
+                <a:off x="3584712" y="1252330"/>
+                <a:ext cx="2975114" cy="0"/>
+              </a:xfrm>
+              <a:prstGeom prst="straightConnector1">
+                <a:avLst/>
+              </a:prstGeom>
+              <a:ln w="25400">
+                <a:headEnd type="none"/>
+                <a:tailEnd type="triangle"/>
+              </a:ln>
+            </p:spPr>
+            <p:style>
+              <a:lnRef idx="1">
+                <a:schemeClr val="accent1"/>
+              </a:lnRef>
+              <a:fillRef idx="0">
+                <a:schemeClr val="accent1"/>
+              </a:fillRef>
+              <a:effectRef idx="0">
+                <a:schemeClr val="accent1"/>
+              </a:effectRef>
+              <a:fontRef idx="minor">
+                <a:schemeClr val="tx1"/>
+              </a:fontRef>
+            </p:style>
+          </p:cxnSp>
+          <p:cxnSp>
+            <p:nvCxnSpPr>
+              <p:cNvPr id="20" name="Straight Arrow Connector 19">
+                <a:extLst>
+                  <a:ext uri="{FF2B5EF4-FFF2-40B4-BE49-F238E27FC236}">
+                    <a16:creationId xmlns:a16="http://schemas.microsoft.com/office/drawing/2014/main" id="{CB8AA945-36C7-223F-FAC3-C07C26D9C480}"/>
+                  </a:ext>
+                </a:extLst>
+              </p:cNvPr>
+              <p:cNvCxnSpPr>
+                <a:cxnSpLocks/>
+              </p:cNvCxnSpPr>
+              <p:nvPr/>
+            </p:nvCxnSpPr>
+            <p:spPr>
+              <a:xfrm>
+                <a:off x="3584712" y="1484243"/>
+                <a:ext cx="2975114" cy="0"/>
+              </a:xfrm>
+              <a:prstGeom prst="straightConnector1">
+                <a:avLst/>
+              </a:prstGeom>
+              <a:ln w="25400">
+                <a:headEnd type="triangle" w="med" len="med"/>
+                <a:tailEnd type="none" w="med" len="med"/>
+              </a:ln>
+            </p:spPr>
+            <p:style>
+              <a:lnRef idx="1">
+                <a:schemeClr val="accent1"/>
+              </a:lnRef>
+              <a:fillRef idx="0">
+                <a:schemeClr val="accent1"/>
+              </a:fillRef>
+              <a:effectRef idx="0">
+                <a:schemeClr val="accent1"/>
+              </a:effectRef>
+              <a:fontRef idx="minor">
+                <a:schemeClr val="tx1"/>
+              </a:fontRef>
+            </p:style>
+          </p:cxnSp>
+          <p:sp>
+            <p:nvSpPr>
+              <p:cNvPr id="21" name="TextBox 20">
+                <a:extLst>
+                  <a:ext uri="{FF2B5EF4-FFF2-40B4-BE49-F238E27FC236}">
+                    <a16:creationId xmlns:a16="http://schemas.microsoft.com/office/drawing/2014/main" id="{402433F2-47E6-E2EF-CA28-50641C56B557}"/>
+                  </a:ext>
+                </a:extLst>
+              </p:cNvPr>
+              <p:cNvSpPr txBox="1"/>
+              <p:nvPr/>
+            </p:nvSpPr>
+            <p:spPr>
+              <a:xfrm>
+                <a:off x="5186415" y="1457737"/>
+                <a:ext cx="1373411" cy="276999"/>
+              </a:xfrm>
+              <a:prstGeom prst="rect">
+                <a:avLst/>
+              </a:prstGeom>
+              <a:noFill/>
+            </p:spPr>
+            <p:txBody>
+              <a:bodyPr wrap="square" rtlCol="0">
+                <a:spAutoFit/>
+              </a:bodyPr>
+              <a:lstStyle/>
+              <a:p>
+                <a:pPr algn="ctr"/>
+                <a:r>
+                  <a:rPr lang="en-US" sz="1200" dirty="0"/>
+                  <a:t>enqueue response</a:t>
+                </a:r>
+              </a:p>
+            </p:txBody>
+          </p:sp>
+        </p:grpSp>
+        <p:grpSp>
+          <p:nvGrpSpPr>
+            <p:cNvPr id="22" name="Group 21">
+              <a:extLst>
+                <a:ext uri="{FF2B5EF4-FFF2-40B4-BE49-F238E27FC236}">
+                  <a16:creationId xmlns:a16="http://schemas.microsoft.com/office/drawing/2014/main" id="{AD7776A9-764A-87DA-ADD3-F5C7EEEF9922}"/>
+                </a:ext>
+              </a:extLst>
+            </p:cNvPr>
+            <p:cNvGrpSpPr/>
+            <p:nvPr/>
+          </p:nvGrpSpPr>
+          <p:grpSpPr>
+            <a:xfrm>
+              <a:off x="3584711" y="2414833"/>
+              <a:ext cx="2975115" cy="759405"/>
+              <a:chOff x="3584711" y="975331"/>
+              <a:chExt cx="2975115" cy="759405"/>
+            </a:xfrm>
+          </p:grpSpPr>
+          <p:sp>
+            <p:nvSpPr>
+              <p:cNvPr id="23" name="TextBox 22">
+                <a:extLst>
+                  <a:ext uri="{FF2B5EF4-FFF2-40B4-BE49-F238E27FC236}">
+                    <a16:creationId xmlns:a16="http://schemas.microsoft.com/office/drawing/2014/main" id="{E1292322-E2B7-3FFC-113A-7A7D97496C3E}"/>
+                  </a:ext>
+                </a:extLst>
+              </p:cNvPr>
+              <p:cNvSpPr txBox="1"/>
+              <p:nvPr/>
+            </p:nvSpPr>
+            <p:spPr>
+              <a:xfrm>
+                <a:off x="3584711" y="975331"/>
+                <a:ext cx="980663" cy="276999"/>
+              </a:xfrm>
+              <a:prstGeom prst="rect">
+                <a:avLst/>
+              </a:prstGeom>
+              <a:noFill/>
+            </p:spPr>
+            <p:txBody>
+              <a:bodyPr wrap="square" rtlCol="0">
+                <a:spAutoFit/>
+              </a:bodyPr>
+              <a:lstStyle/>
+              <a:p>
+                <a:pPr algn="ctr"/>
+                <a:r>
+                  <a:rPr lang="en-US" sz="1200" dirty="0"/>
+                  <a:t>get progress</a:t>
+                </a:r>
+              </a:p>
+            </p:txBody>
+          </p:sp>
+          <p:cxnSp>
+            <p:nvCxnSpPr>
+              <p:cNvPr id="24" name="Straight Arrow Connector 23">
+                <a:extLst>
+                  <a:ext uri="{FF2B5EF4-FFF2-40B4-BE49-F238E27FC236}">
+                    <a16:creationId xmlns:a16="http://schemas.microsoft.com/office/drawing/2014/main" id="{31EE3DFC-3C0A-8806-DA37-D54E32D813CF}"/>
+                  </a:ext>
+                </a:extLst>
+              </p:cNvPr>
+              <p:cNvCxnSpPr>
+                <a:cxnSpLocks/>
+              </p:cNvCxnSpPr>
+              <p:nvPr/>
+            </p:nvCxnSpPr>
+            <p:spPr>
+              <a:xfrm>
+                <a:off x="3584712" y="1252330"/>
+                <a:ext cx="2975114" cy="0"/>
+              </a:xfrm>
+              <a:prstGeom prst="straightConnector1">
+                <a:avLst/>
+              </a:prstGeom>
+              <a:ln w="25400">
+                <a:headEnd type="none"/>
+                <a:tailEnd type="triangle"/>
+              </a:ln>
+            </p:spPr>
+            <p:style>
+              <a:lnRef idx="1">
+                <a:schemeClr val="accent1"/>
+              </a:lnRef>
+              <a:fillRef idx="0">
+                <a:schemeClr val="accent1"/>
+              </a:fillRef>
+              <a:effectRef idx="0">
+                <a:schemeClr val="accent1"/>
+              </a:effectRef>
+              <a:fontRef idx="minor">
+                <a:schemeClr val="tx1"/>
+              </a:fontRef>
+            </p:style>
+          </p:cxnSp>
+          <p:cxnSp>
+            <p:nvCxnSpPr>
+              <p:cNvPr id="25" name="Straight Arrow Connector 24">
+                <a:extLst>
+                  <a:ext uri="{FF2B5EF4-FFF2-40B4-BE49-F238E27FC236}">
+                    <a16:creationId xmlns:a16="http://schemas.microsoft.com/office/drawing/2014/main" id="{648A741F-ABBE-5900-AC40-8E83189AAA24}"/>
+                  </a:ext>
+                </a:extLst>
+              </p:cNvPr>
+              <p:cNvCxnSpPr>
+                <a:cxnSpLocks/>
+              </p:cNvCxnSpPr>
+              <p:nvPr/>
+            </p:nvCxnSpPr>
+            <p:spPr>
+              <a:xfrm>
+                <a:off x="3584712" y="1484243"/>
+                <a:ext cx="2975114" cy="0"/>
+              </a:xfrm>
+              <a:prstGeom prst="straightConnector1">
+                <a:avLst/>
+              </a:prstGeom>
+              <a:ln w="25400">
+                <a:headEnd type="triangle" w="med" len="med"/>
+                <a:tailEnd type="none" w="med" len="med"/>
+              </a:ln>
+            </p:spPr>
+            <p:style>
+              <a:lnRef idx="1">
+                <a:schemeClr val="accent1"/>
+              </a:lnRef>
+              <a:fillRef idx="0">
+                <a:schemeClr val="accent1"/>
+              </a:fillRef>
+              <a:effectRef idx="0">
+                <a:schemeClr val="accent1"/>
+              </a:effectRef>
+              <a:fontRef idx="minor">
+                <a:schemeClr val="tx1"/>
+              </a:fontRef>
+            </p:style>
+          </p:cxnSp>
+          <p:sp>
+            <p:nvSpPr>
+              <p:cNvPr id="26" name="TextBox 25">
+                <a:extLst>
+                  <a:ext uri="{FF2B5EF4-FFF2-40B4-BE49-F238E27FC236}">
+                    <a16:creationId xmlns:a16="http://schemas.microsoft.com/office/drawing/2014/main" id="{3A06A03B-7B70-DAE8-1912-E436176DA7F2}"/>
+                  </a:ext>
+                </a:extLst>
+              </p:cNvPr>
+              <p:cNvSpPr txBox="1"/>
+              <p:nvPr/>
+            </p:nvSpPr>
+            <p:spPr>
+              <a:xfrm>
+                <a:off x="5186415" y="1457737"/>
+                <a:ext cx="1373411" cy="276999"/>
+              </a:xfrm>
+              <a:prstGeom prst="rect">
+                <a:avLst/>
+              </a:prstGeom>
+              <a:noFill/>
+            </p:spPr>
+            <p:txBody>
+              <a:bodyPr wrap="square" rtlCol="0">
+                <a:spAutoFit/>
+              </a:bodyPr>
+              <a:lstStyle/>
+              <a:p>
+                <a:pPr algn="ctr"/>
+                <a:r>
+                  <a:rPr lang="en-US" sz="1200" dirty="0"/>
+                  <a:t>progress response</a:t>
+                </a:r>
+              </a:p>
+            </p:txBody>
+          </p:sp>
+        </p:grpSp>
+        <p:grpSp>
+          <p:nvGrpSpPr>
+            <p:cNvPr id="27" name="Group 26">
+              <a:extLst>
+                <a:ext uri="{FF2B5EF4-FFF2-40B4-BE49-F238E27FC236}">
+                  <a16:creationId xmlns:a16="http://schemas.microsoft.com/office/drawing/2014/main" id="{60FC8920-E724-10E8-6633-3F0EF5DD55DC}"/>
+                </a:ext>
+              </a:extLst>
+            </p:cNvPr>
+            <p:cNvGrpSpPr/>
+            <p:nvPr/>
+          </p:nvGrpSpPr>
+          <p:grpSpPr>
+            <a:xfrm>
+              <a:off x="3151063" y="5020560"/>
+              <a:ext cx="3573366" cy="759405"/>
+              <a:chOff x="3151063" y="975331"/>
+              <a:chExt cx="3573366" cy="759405"/>
+            </a:xfrm>
+          </p:grpSpPr>
+          <p:sp>
+            <p:nvSpPr>
+              <p:cNvPr id="28" name="TextBox 27">
+                <a:extLst>
+                  <a:ext uri="{FF2B5EF4-FFF2-40B4-BE49-F238E27FC236}">
+                    <a16:creationId xmlns:a16="http://schemas.microsoft.com/office/drawing/2014/main" id="{BDAE8BB8-3FDE-D36F-6E72-34241FAF7EFF}"/>
+                  </a:ext>
+                </a:extLst>
+              </p:cNvPr>
+              <p:cNvSpPr txBox="1"/>
+              <p:nvPr/>
+            </p:nvSpPr>
+            <p:spPr>
+              <a:xfrm>
+                <a:off x="3151063" y="975331"/>
+                <a:ext cx="1538014" cy="276999"/>
+              </a:xfrm>
+              <a:prstGeom prst="rect">
+                <a:avLst/>
+              </a:prstGeom>
+              <a:noFill/>
+            </p:spPr>
+            <p:txBody>
+              <a:bodyPr wrap="square" rtlCol="0">
+                <a:spAutoFit/>
+              </a:bodyPr>
+              <a:lstStyle/>
+              <a:p>
+                <a:pPr algn="ctr"/>
+                <a:r>
+                  <a:rPr lang="en-US" sz="1200" dirty="0"/>
+                  <a:t>get result</a:t>
+                </a:r>
+              </a:p>
+            </p:txBody>
+          </p:sp>
+          <p:cxnSp>
+            <p:nvCxnSpPr>
+              <p:cNvPr id="29" name="Straight Arrow Connector 28">
+                <a:extLst>
+                  <a:ext uri="{FF2B5EF4-FFF2-40B4-BE49-F238E27FC236}">
+                    <a16:creationId xmlns:a16="http://schemas.microsoft.com/office/drawing/2014/main" id="{C734AD05-0127-3306-D9E1-A0B5D2F7B32C}"/>
+                  </a:ext>
+                </a:extLst>
+              </p:cNvPr>
+              <p:cNvCxnSpPr>
+                <a:cxnSpLocks/>
+              </p:cNvCxnSpPr>
+              <p:nvPr/>
+            </p:nvCxnSpPr>
+            <p:spPr>
+              <a:xfrm>
+                <a:off x="3584712" y="1252330"/>
+                <a:ext cx="2975114" cy="0"/>
+              </a:xfrm>
+              <a:prstGeom prst="straightConnector1">
+                <a:avLst/>
+              </a:prstGeom>
+              <a:ln w="25400">
+                <a:headEnd type="none"/>
+                <a:tailEnd type="triangle"/>
+              </a:ln>
+            </p:spPr>
+            <p:style>
+              <a:lnRef idx="1">
+                <a:schemeClr val="accent1"/>
+              </a:lnRef>
+              <a:fillRef idx="0">
+                <a:schemeClr val="accent1"/>
+              </a:fillRef>
+              <a:effectRef idx="0">
+                <a:schemeClr val="accent1"/>
+              </a:effectRef>
+              <a:fontRef idx="minor">
+                <a:schemeClr val="tx1"/>
+              </a:fontRef>
+            </p:style>
+          </p:cxnSp>
+          <p:cxnSp>
+            <p:nvCxnSpPr>
+              <p:cNvPr id="30" name="Straight Arrow Connector 29">
+                <a:extLst>
+                  <a:ext uri="{FF2B5EF4-FFF2-40B4-BE49-F238E27FC236}">
+                    <a16:creationId xmlns:a16="http://schemas.microsoft.com/office/drawing/2014/main" id="{F7689E79-869A-3173-8715-1D8DA447E1F8}"/>
+                  </a:ext>
+                </a:extLst>
+              </p:cNvPr>
+              <p:cNvCxnSpPr>
+                <a:cxnSpLocks/>
+              </p:cNvCxnSpPr>
+              <p:nvPr/>
+            </p:nvCxnSpPr>
+            <p:spPr>
+              <a:xfrm>
+                <a:off x="3584712" y="1484243"/>
+                <a:ext cx="2975114" cy="0"/>
+              </a:xfrm>
+              <a:prstGeom prst="straightConnector1">
+                <a:avLst/>
+              </a:prstGeom>
+              <a:ln w="25400">
+                <a:headEnd type="triangle" w="med" len="med"/>
+                <a:tailEnd type="none" w="med" len="med"/>
+              </a:ln>
+            </p:spPr>
+            <p:style>
+              <a:lnRef idx="1">
+                <a:schemeClr val="accent1"/>
+              </a:lnRef>
+              <a:fillRef idx="0">
+                <a:schemeClr val="accent1"/>
+              </a:fillRef>
+              <a:effectRef idx="0">
+                <a:schemeClr val="accent1"/>
+              </a:effectRef>
+              <a:fontRef idx="minor">
+                <a:schemeClr val="tx1"/>
+              </a:fontRef>
+            </p:style>
+          </p:cxnSp>
+          <p:sp>
+            <p:nvSpPr>
+              <p:cNvPr id="32" name="TextBox 31">
+                <a:extLst>
+                  <a:ext uri="{FF2B5EF4-FFF2-40B4-BE49-F238E27FC236}">
+                    <a16:creationId xmlns:a16="http://schemas.microsoft.com/office/drawing/2014/main" id="{654132CA-2323-C88C-5228-ACFC96C06D03}"/>
+                  </a:ext>
+                </a:extLst>
+              </p:cNvPr>
+              <p:cNvSpPr txBox="1"/>
+              <p:nvPr/>
+            </p:nvSpPr>
+            <p:spPr>
+              <a:xfrm>
+                <a:off x="5186415" y="1457737"/>
+                <a:ext cx="1538014" cy="276999"/>
+              </a:xfrm>
+              <a:prstGeom prst="rect">
+                <a:avLst/>
+              </a:prstGeom>
+              <a:noFill/>
+            </p:spPr>
+            <p:txBody>
+              <a:bodyPr wrap="square" rtlCol="0">
+                <a:spAutoFit/>
+              </a:bodyPr>
+              <a:lstStyle/>
+              <a:p>
+                <a:pPr algn="ctr"/>
+                <a:r>
+                  <a:rPr lang="en-US" sz="1200" dirty="0"/>
+                  <a:t>result</a:t>
+                </a:r>
+              </a:p>
+            </p:txBody>
+          </p:sp>
+        </p:grpSp>
+        <p:grpSp>
+          <p:nvGrpSpPr>
+            <p:cNvPr id="33" name="Group 32">
+              <a:extLst>
+                <a:ext uri="{FF2B5EF4-FFF2-40B4-BE49-F238E27FC236}">
+                  <a16:creationId xmlns:a16="http://schemas.microsoft.com/office/drawing/2014/main" id="{DCAFB329-1C4A-4960-E161-54EBBD117E88}"/>
+                </a:ext>
+              </a:extLst>
+            </p:cNvPr>
+            <p:cNvGrpSpPr/>
+            <p:nvPr/>
+          </p:nvGrpSpPr>
+          <p:grpSpPr>
+            <a:xfrm>
+              <a:off x="3584711" y="3451237"/>
+              <a:ext cx="2975115" cy="759405"/>
+              <a:chOff x="3584711" y="975331"/>
+              <a:chExt cx="2975115" cy="759405"/>
+            </a:xfrm>
+          </p:grpSpPr>
+          <p:sp>
+            <p:nvSpPr>
+              <p:cNvPr id="34" name="TextBox 33">
+                <a:extLst>
+                  <a:ext uri="{FF2B5EF4-FFF2-40B4-BE49-F238E27FC236}">
+                    <a16:creationId xmlns:a16="http://schemas.microsoft.com/office/drawing/2014/main" id="{3DDE13CC-D64D-327A-10AE-4CFEC647FC81}"/>
+                  </a:ext>
+                </a:extLst>
+              </p:cNvPr>
+              <p:cNvSpPr txBox="1"/>
+              <p:nvPr/>
+            </p:nvSpPr>
+            <p:spPr>
+              <a:xfrm>
+                <a:off x="3584711" y="975331"/>
+                <a:ext cx="980663" cy="276999"/>
+              </a:xfrm>
+              <a:prstGeom prst="rect">
+                <a:avLst/>
+              </a:prstGeom>
+              <a:noFill/>
+            </p:spPr>
+            <p:txBody>
+              <a:bodyPr wrap="square" rtlCol="0">
+                <a:spAutoFit/>
+              </a:bodyPr>
+              <a:lstStyle/>
+              <a:p>
+                <a:pPr algn="ctr"/>
+                <a:r>
+                  <a:rPr lang="en-US" sz="1200" dirty="0"/>
+                  <a:t>get progress</a:t>
+                </a:r>
+              </a:p>
+            </p:txBody>
+          </p:sp>
+          <p:cxnSp>
+            <p:nvCxnSpPr>
+              <p:cNvPr id="35" name="Straight Arrow Connector 34">
+                <a:extLst>
+                  <a:ext uri="{FF2B5EF4-FFF2-40B4-BE49-F238E27FC236}">
+                    <a16:creationId xmlns:a16="http://schemas.microsoft.com/office/drawing/2014/main" id="{FC9FB357-6DE0-A3E3-D40F-A3EA68A1531B}"/>
+                  </a:ext>
+                </a:extLst>
+              </p:cNvPr>
+              <p:cNvCxnSpPr>
+                <a:cxnSpLocks/>
+              </p:cNvCxnSpPr>
+              <p:nvPr/>
+            </p:nvCxnSpPr>
+            <p:spPr>
+              <a:xfrm>
+                <a:off x="3584712" y="1252330"/>
+                <a:ext cx="2975114" cy="0"/>
+              </a:xfrm>
+              <a:prstGeom prst="straightConnector1">
+                <a:avLst/>
+              </a:prstGeom>
+              <a:ln w="25400">
+                <a:headEnd type="none"/>
+                <a:tailEnd type="triangle"/>
+              </a:ln>
+            </p:spPr>
+            <p:style>
+              <a:lnRef idx="1">
+                <a:schemeClr val="accent1"/>
+              </a:lnRef>
+              <a:fillRef idx="0">
+                <a:schemeClr val="accent1"/>
+              </a:fillRef>
+              <a:effectRef idx="0">
+                <a:schemeClr val="accent1"/>
+              </a:effectRef>
+              <a:fontRef idx="minor">
+                <a:schemeClr val="tx1"/>
+              </a:fontRef>
+            </p:style>
+          </p:cxnSp>
+          <p:cxnSp>
+            <p:nvCxnSpPr>
+              <p:cNvPr id="36" name="Straight Arrow Connector 35">
+                <a:extLst>
+                  <a:ext uri="{FF2B5EF4-FFF2-40B4-BE49-F238E27FC236}">
+                    <a16:creationId xmlns:a16="http://schemas.microsoft.com/office/drawing/2014/main" id="{8244F1AB-2955-54A1-67B2-4A7B800A3BC4}"/>
+                  </a:ext>
+                </a:extLst>
+              </p:cNvPr>
+              <p:cNvCxnSpPr>
+                <a:cxnSpLocks/>
+              </p:cNvCxnSpPr>
+              <p:nvPr/>
+            </p:nvCxnSpPr>
+            <p:spPr>
+              <a:xfrm>
+                <a:off x="3584712" y="1484243"/>
+                <a:ext cx="2975114" cy="0"/>
+              </a:xfrm>
+              <a:prstGeom prst="straightConnector1">
+                <a:avLst/>
+              </a:prstGeom>
+              <a:ln w="25400">
+                <a:headEnd type="triangle" w="med" len="med"/>
+                <a:tailEnd type="none" w="med" len="med"/>
+              </a:ln>
+            </p:spPr>
+            <p:style>
+              <a:lnRef idx="1">
+                <a:schemeClr val="accent1"/>
+              </a:lnRef>
+              <a:fillRef idx="0">
+                <a:schemeClr val="accent1"/>
+              </a:fillRef>
+              <a:effectRef idx="0">
+                <a:schemeClr val="accent1"/>
+              </a:effectRef>
+              <a:fontRef idx="minor">
+                <a:schemeClr val="tx1"/>
+              </a:fontRef>
+            </p:style>
+          </p:cxnSp>
+          <p:sp>
+            <p:nvSpPr>
+              <p:cNvPr id="37" name="TextBox 36">
+                <a:extLst>
+                  <a:ext uri="{FF2B5EF4-FFF2-40B4-BE49-F238E27FC236}">
+                    <a16:creationId xmlns:a16="http://schemas.microsoft.com/office/drawing/2014/main" id="{98958FE9-4925-B5C0-18A2-FB49862CBE45}"/>
+                  </a:ext>
+                </a:extLst>
+              </p:cNvPr>
+              <p:cNvSpPr txBox="1"/>
+              <p:nvPr/>
+            </p:nvSpPr>
+            <p:spPr>
+              <a:xfrm>
+                <a:off x="5186415" y="1457737"/>
+                <a:ext cx="1373411" cy="276999"/>
+              </a:xfrm>
+              <a:prstGeom prst="rect">
+                <a:avLst/>
+              </a:prstGeom>
+              <a:noFill/>
+            </p:spPr>
+            <p:txBody>
+              <a:bodyPr wrap="square" rtlCol="0">
+                <a:spAutoFit/>
+              </a:bodyPr>
+              <a:lstStyle/>
+              <a:p>
+                <a:pPr algn="ctr"/>
+                <a:r>
+                  <a:rPr lang="en-US" sz="1200" dirty="0"/>
+                  <a:t>progress response</a:t>
+                </a:r>
+              </a:p>
+            </p:txBody>
+          </p:sp>
+        </p:grpSp>
+        <p:sp>
+          <p:nvSpPr>
+            <p:cNvPr id="38" name="TextBox 37">
+              <a:extLst>
+                <a:ext uri="{FF2B5EF4-FFF2-40B4-BE49-F238E27FC236}">
+                  <a16:creationId xmlns:a16="http://schemas.microsoft.com/office/drawing/2014/main" id="{8657C083-9D54-584E-7932-8D789297141A}"/>
+                </a:ext>
+              </a:extLst>
+            </p:cNvPr>
+            <p:cNvSpPr txBox="1"/>
+            <p:nvPr/>
+          </p:nvSpPr>
+          <p:spPr>
+            <a:xfrm>
+              <a:off x="7293653" y="300217"/>
+              <a:ext cx="2547754" cy="400110"/>
+            </a:xfrm>
+            <a:prstGeom prst="rect">
+              <a:avLst/>
+            </a:prstGeom>
+            <a:noFill/>
+          </p:spPr>
+          <p:txBody>
+            <a:bodyPr wrap="square" rtlCol="0">
+              <a:spAutoFit/>
+            </a:bodyPr>
+            <a:lstStyle/>
+            <a:p>
+              <a:pPr algn="ctr"/>
+              <a:r>
+                <a:rPr lang="ru-RU" sz="2000" dirty="0">
+                  <a:solidFill>
+                    <a:schemeClr val="tx1"/>
+                  </a:solidFill>
+                </a:rPr>
+                <a:t>8</a:t>
+              </a:r>
+              <a:r>
+                <a:rPr lang="en-US" sz="2000" dirty="0">
+                  <a:solidFill>
+                    <a:schemeClr val="tx1"/>
+                  </a:solidFill>
+                </a:rPr>
+                <a:t>x application server</a:t>
+              </a:r>
+              <a:endParaRPr lang="en-US" sz="1200" dirty="0">
+                <a:solidFill>
+                  <a:schemeClr val="tx1"/>
+                </a:solidFill>
+              </a:endParaRPr>
+            </a:p>
+          </p:txBody>
+        </p:sp>
+        <p:sp>
+          <p:nvSpPr>
+            <p:cNvPr id="39" name="Flowchart: Predefined Process 38">
+              <a:extLst>
+                <a:ext uri="{FF2B5EF4-FFF2-40B4-BE49-F238E27FC236}">
+                  <a16:creationId xmlns:a16="http://schemas.microsoft.com/office/drawing/2014/main" id="{91DE8FF5-7B58-84CF-8923-92DFFA227DC3}"/>
+                </a:ext>
+              </a:extLst>
+            </p:cNvPr>
+            <p:cNvSpPr/>
+            <p:nvPr/>
+          </p:nvSpPr>
+          <p:spPr>
+            <a:xfrm>
+              <a:off x="7177697" y="1804273"/>
+              <a:ext cx="1315302" cy="1563754"/>
+            </a:xfrm>
+            <a:prstGeom prst="flowChartPredefinedProcess">
+              <a:avLst/>
+            </a:prstGeom>
+          </p:spPr>
+          <p:style>
+            <a:lnRef idx="2">
+              <a:schemeClr val="accent4">
+                <a:shade val="15000"/>
+              </a:schemeClr>
+            </a:lnRef>
+            <a:fillRef idx="1">
+              <a:schemeClr val="accent4"/>
+            </a:fillRef>
+            <a:effectRef idx="0">
+              <a:schemeClr val="accent4"/>
+            </a:effectRef>
+            <a:fontRef idx="minor">
+              <a:schemeClr val="lt1"/>
+            </a:fontRef>
+          </p:style>
+          <p:txBody>
+            <a:bodyPr rtlCol="0" anchor="ctr"/>
+            <a:lstStyle/>
+            <a:p>
+              <a:pPr algn="ctr"/>
+              <a:r>
+                <a:rPr lang="en-US" dirty="0"/>
+                <a:t>Task</a:t>
+              </a:r>
+            </a:p>
+            <a:p>
+              <a:pPr algn="ctr"/>
+              <a:r>
+                <a:rPr lang="en-US" dirty="0"/>
+                <a:t>Queue</a:t>
+              </a:r>
+            </a:p>
+          </p:txBody>
+        </p:sp>
+        <p:sp>
+          <p:nvSpPr>
+            <p:cNvPr id="40" name="Flowchart: Predefined Process 39">
+              <a:extLst>
+                <a:ext uri="{FF2B5EF4-FFF2-40B4-BE49-F238E27FC236}">
+                  <a16:creationId xmlns:a16="http://schemas.microsoft.com/office/drawing/2014/main" id="{B6164DBC-A049-EF0E-5347-996DE55B658B}"/>
+                </a:ext>
+              </a:extLst>
+            </p:cNvPr>
+            <p:cNvSpPr/>
+            <p:nvPr/>
+          </p:nvSpPr>
+          <p:spPr>
+            <a:xfrm>
+              <a:off x="7177697" y="3368027"/>
+              <a:ext cx="1315302" cy="1563754"/>
+            </a:xfrm>
+            <a:prstGeom prst="flowChartPredefinedProcess">
+              <a:avLst/>
+            </a:prstGeom>
+          </p:spPr>
+          <p:style>
+            <a:lnRef idx="2">
+              <a:schemeClr val="accent4">
+                <a:shade val="15000"/>
+              </a:schemeClr>
+            </a:lnRef>
+            <a:fillRef idx="1">
+              <a:schemeClr val="accent4"/>
+            </a:fillRef>
+            <a:effectRef idx="0">
+              <a:schemeClr val="accent4"/>
+            </a:effectRef>
+            <a:fontRef idx="minor">
+              <a:schemeClr val="lt1"/>
+            </a:fontRef>
+          </p:style>
+          <p:txBody>
+            <a:bodyPr rtlCol="0" anchor="ctr"/>
+            <a:lstStyle/>
+            <a:p>
+              <a:pPr algn="ctr"/>
+              <a:r>
+                <a:rPr lang="en-US" dirty="0"/>
+                <a:t>Task</a:t>
+              </a:r>
+            </a:p>
+            <a:p>
+              <a:pPr algn="ctr"/>
+              <a:r>
+                <a:rPr lang="en-US" dirty="0"/>
+                <a:t>Progress</a:t>
+              </a:r>
+            </a:p>
+          </p:txBody>
+        </p:sp>
+        <p:sp>
+          <p:nvSpPr>
+            <p:cNvPr id="41" name="Flowchart: Multidocument 40">
+              <a:extLst>
+                <a:ext uri="{FF2B5EF4-FFF2-40B4-BE49-F238E27FC236}">
+                  <a16:creationId xmlns:a16="http://schemas.microsoft.com/office/drawing/2014/main" id="{F31358A7-47E4-7AF0-4231-30F47A11080D}"/>
+                </a:ext>
+              </a:extLst>
+            </p:cNvPr>
+            <p:cNvSpPr/>
+            <p:nvPr/>
+          </p:nvSpPr>
+          <p:spPr>
+            <a:xfrm>
+              <a:off x="8984973" y="1888435"/>
+              <a:ext cx="1502477" cy="2743200"/>
+            </a:xfrm>
+            <a:prstGeom prst="flowChartMultidocument">
+              <a:avLst/>
+            </a:prstGeom>
+          </p:spPr>
+          <p:style>
+            <a:lnRef idx="2">
+              <a:schemeClr val="accent1">
+                <a:shade val="15000"/>
+              </a:schemeClr>
+            </a:lnRef>
+            <a:fillRef idx="1">
+              <a:schemeClr val="accent1"/>
+            </a:fillRef>
+            <a:effectRef idx="0">
+              <a:schemeClr val="accent1"/>
+            </a:effectRef>
+            <a:fontRef idx="minor">
+              <a:schemeClr val="lt1"/>
+            </a:fontRef>
+          </p:style>
+          <p:txBody>
+            <a:bodyPr rtlCol="0" anchor="ctr"/>
+            <a:lstStyle/>
+            <a:p>
+              <a:pPr algn="ctr"/>
+              <a:r>
+                <a:rPr lang="en-US" dirty="0"/>
+                <a:t>Background</a:t>
+              </a:r>
+            </a:p>
+            <a:p>
+              <a:pPr algn="ctr"/>
+              <a:r>
+                <a:rPr lang="en-US" dirty="0"/>
+                <a:t>Worker</a:t>
+              </a:r>
+            </a:p>
+          </p:txBody>
+        </p:sp>
+        <p:cxnSp>
+          <p:nvCxnSpPr>
+            <p:cNvPr id="42" name="Straight Arrow Connector 41">
+              <a:extLst>
+                <a:ext uri="{FF2B5EF4-FFF2-40B4-BE49-F238E27FC236}">
+                  <a16:creationId xmlns:a16="http://schemas.microsoft.com/office/drawing/2014/main" id="{5593D2FB-6890-0D45-A636-90AE142F7440}"/>
+                </a:ext>
+              </a:extLst>
+            </p:cNvPr>
+            <p:cNvCxnSpPr>
+              <a:cxnSpLocks/>
+              <a:endCxn id="39" idx="1"/>
+            </p:cNvCxnSpPr>
+            <p:nvPr/>
+          </p:nvCxnSpPr>
+          <p:spPr>
+            <a:xfrm>
+              <a:off x="6576414" y="1299416"/>
+              <a:ext cx="601283" cy="1286734"/>
+            </a:xfrm>
+            <a:prstGeom prst="straightConnector1">
+              <a:avLst/>
+            </a:prstGeom>
+            <a:ln w="25400">
+              <a:headEnd type="none"/>
+              <a:tailEnd type="triangle"/>
+            </a:ln>
+          </p:spPr>
+          <p:style>
+            <a:lnRef idx="1">
+              <a:schemeClr val="accent1"/>
+            </a:lnRef>
+            <a:fillRef idx="0">
+              <a:schemeClr val="accent1"/>
+            </a:fillRef>
+            <a:effectRef idx="0">
+              <a:schemeClr val="accent1"/>
+            </a:effectRef>
+            <a:fontRef idx="minor">
+              <a:schemeClr val="tx1"/>
+            </a:fontRef>
+          </p:style>
+        </p:cxnSp>
+        <p:cxnSp>
+          <p:nvCxnSpPr>
+            <p:cNvPr id="43" name="Straight Arrow Connector 42">
+              <a:extLst>
+                <a:ext uri="{FF2B5EF4-FFF2-40B4-BE49-F238E27FC236}">
+                  <a16:creationId xmlns:a16="http://schemas.microsoft.com/office/drawing/2014/main" id="{A4C08842-31C7-89C9-6C8A-73E64420CC00}"/>
+                </a:ext>
+              </a:extLst>
+            </p:cNvPr>
+            <p:cNvCxnSpPr>
+              <a:cxnSpLocks/>
+            </p:cNvCxnSpPr>
+            <p:nvPr/>
+          </p:nvCxnSpPr>
+          <p:spPr>
+            <a:xfrm>
+              <a:off x="6576414" y="2691832"/>
+              <a:ext cx="584695" cy="1051143"/>
+            </a:xfrm>
+            <a:prstGeom prst="straightConnector1">
+              <a:avLst/>
+            </a:prstGeom>
+            <a:ln w="25400">
+              <a:headEnd type="none"/>
+              <a:tailEnd type="triangle"/>
+            </a:ln>
+          </p:spPr>
+          <p:style>
+            <a:lnRef idx="1">
+              <a:schemeClr val="accent1"/>
+            </a:lnRef>
+            <a:fillRef idx="0">
+              <a:schemeClr val="accent1"/>
+            </a:fillRef>
+            <a:effectRef idx="0">
+              <a:schemeClr val="accent1"/>
+            </a:effectRef>
+            <a:fontRef idx="minor">
+              <a:schemeClr val="tx1"/>
+            </a:fontRef>
+          </p:style>
+        </p:cxnSp>
+        <p:cxnSp>
+          <p:nvCxnSpPr>
+            <p:cNvPr id="44" name="Straight Arrow Connector 43">
+              <a:extLst>
+                <a:ext uri="{FF2B5EF4-FFF2-40B4-BE49-F238E27FC236}">
+                  <a16:creationId xmlns:a16="http://schemas.microsoft.com/office/drawing/2014/main" id="{F08EA901-C23A-BEAA-7F8C-2736467B1C4B}"/>
+                </a:ext>
+              </a:extLst>
+            </p:cNvPr>
+            <p:cNvCxnSpPr>
+              <a:cxnSpLocks/>
+            </p:cNvCxnSpPr>
+            <p:nvPr/>
+          </p:nvCxnSpPr>
+          <p:spPr>
+            <a:xfrm>
+              <a:off x="6559826" y="3742975"/>
+              <a:ext cx="601283" cy="467667"/>
+            </a:xfrm>
+            <a:prstGeom prst="straightConnector1">
+              <a:avLst/>
+            </a:prstGeom>
+            <a:ln w="25400">
+              <a:headEnd type="none"/>
+              <a:tailEnd type="triangle"/>
+            </a:ln>
+          </p:spPr>
+          <p:style>
+            <a:lnRef idx="1">
+              <a:schemeClr val="accent1"/>
+            </a:lnRef>
+            <a:fillRef idx="0">
+              <a:schemeClr val="accent1"/>
+            </a:fillRef>
+            <a:effectRef idx="0">
+              <a:schemeClr val="accent1"/>
+            </a:effectRef>
+            <a:fontRef idx="minor">
+              <a:schemeClr val="tx1"/>
+            </a:fontRef>
+          </p:style>
+        </p:cxnSp>
+        <p:cxnSp>
+          <p:nvCxnSpPr>
+            <p:cNvPr id="45" name="Straight Arrow Connector 44">
+              <a:extLst>
+                <a:ext uri="{FF2B5EF4-FFF2-40B4-BE49-F238E27FC236}">
+                  <a16:creationId xmlns:a16="http://schemas.microsoft.com/office/drawing/2014/main" id="{5B65032A-72E6-09CC-EAAB-5C746EC33525}"/>
+                </a:ext>
+              </a:extLst>
+            </p:cNvPr>
+            <p:cNvCxnSpPr>
+              <a:cxnSpLocks/>
+            </p:cNvCxnSpPr>
+            <p:nvPr/>
+          </p:nvCxnSpPr>
+          <p:spPr>
+            <a:xfrm flipV="1">
+              <a:off x="6576414" y="4416048"/>
+              <a:ext cx="584695" cy="859741"/>
+            </a:xfrm>
+            <a:prstGeom prst="straightConnector1">
+              <a:avLst/>
+            </a:prstGeom>
+            <a:ln w="25400">
+              <a:headEnd type="none"/>
+              <a:tailEnd type="triangle"/>
+            </a:ln>
+          </p:spPr>
+          <p:style>
+            <a:lnRef idx="1">
+              <a:schemeClr val="accent1"/>
+            </a:lnRef>
+            <a:fillRef idx="0">
+              <a:schemeClr val="accent1"/>
+            </a:fillRef>
+            <a:effectRef idx="0">
+              <a:schemeClr val="accent1"/>
+            </a:effectRef>
+            <a:fontRef idx="minor">
+              <a:schemeClr val="tx1"/>
+            </a:fontRef>
+          </p:style>
+        </p:cxnSp>
+        <p:cxnSp>
+          <p:nvCxnSpPr>
+            <p:cNvPr id="46" name="Straight Arrow Connector 45">
+              <a:extLst>
+                <a:ext uri="{FF2B5EF4-FFF2-40B4-BE49-F238E27FC236}">
+                  <a16:creationId xmlns:a16="http://schemas.microsoft.com/office/drawing/2014/main" id="{3C2F6EB4-21C3-AEC7-12B3-EBA71753AF3D}"/>
+                </a:ext>
+              </a:extLst>
+            </p:cNvPr>
+            <p:cNvCxnSpPr>
+              <a:cxnSpLocks/>
+              <a:stCxn id="39" idx="3"/>
+            </p:cNvCxnSpPr>
+            <p:nvPr/>
+          </p:nvCxnSpPr>
+          <p:spPr>
+            <a:xfrm>
+              <a:off x="8492999" y="2586150"/>
+              <a:ext cx="491974" cy="588088"/>
+            </a:xfrm>
+            <a:prstGeom prst="straightConnector1">
+              <a:avLst/>
+            </a:prstGeom>
+            <a:ln w="25400">
+              <a:headEnd type="none"/>
+              <a:tailEnd type="triangle"/>
+            </a:ln>
+          </p:spPr>
+          <p:style>
+            <a:lnRef idx="1">
+              <a:schemeClr val="accent1"/>
+            </a:lnRef>
+            <a:fillRef idx="0">
+              <a:schemeClr val="accent1"/>
+            </a:fillRef>
+            <a:effectRef idx="0">
+              <a:schemeClr val="accent1"/>
+            </a:effectRef>
+            <a:fontRef idx="minor">
+              <a:schemeClr val="tx1"/>
+            </a:fontRef>
+          </p:style>
+        </p:cxnSp>
+        <p:cxnSp>
+          <p:nvCxnSpPr>
+            <p:cNvPr id="47" name="Straight Arrow Connector 46">
+              <a:extLst>
+                <a:ext uri="{FF2B5EF4-FFF2-40B4-BE49-F238E27FC236}">
+                  <a16:creationId xmlns:a16="http://schemas.microsoft.com/office/drawing/2014/main" id="{F2A8DB73-9357-186B-6488-2979503E2146}"/>
+                </a:ext>
+              </a:extLst>
+            </p:cNvPr>
+            <p:cNvCxnSpPr>
+              <a:cxnSpLocks/>
+            </p:cNvCxnSpPr>
+            <p:nvPr/>
+          </p:nvCxnSpPr>
+          <p:spPr>
+            <a:xfrm flipH="1">
+              <a:off x="8509587" y="3553216"/>
+              <a:ext cx="475386" cy="588088"/>
+            </a:xfrm>
+            <a:prstGeom prst="straightConnector1">
+              <a:avLst/>
+            </a:prstGeom>
+            <a:ln w="25400">
+              <a:headEnd type="none"/>
+              <a:tailEnd type="triangle"/>
+            </a:ln>
+          </p:spPr>
+          <p:style>
+            <a:lnRef idx="1">
+              <a:schemeClr val="accent1"/>
+            </a:lnRef>
+            <a:fillRef idx="0">
+              <a:schemeClr val="accent1"/>
+            </a:fillRef>
+            <a:effectRef idx="0">
+              <a:schemeClr val="accent1"/>
+            </a:effectRef>
+            <a:fontRef idx="minor">
+              <a:schemeClr val="tx1"/>
+            </a:fontRef>
+          </p:style>
+        </p:cxnSp>
+        <p:sp>
+          <p:nvSpPr>
+            <p:cNvPr id="48" name="TextBox 47">
+              <a:extLst>
+                <a:ext uri="{FF2B5EF4-FFF2-40B4-BE49-F238E27FC236}">
+                  <a16:creationId xmlns:a16="http://schemas.microsoft.com/office/drawing/2014/main" id="{3B9371D4-EDCA-2E2C-5852-2A0AC370DE47}"/>
+                </a:ext>
+              </a:extLst>
+            </p:cNvPr>
+            <p:cNvSpPr txBox="1"/>
+            <p:nvPr/>
+          </p:nvSpPr>
+          <p:spPr>
+            <a:xfrm>
+              <a:off x="2756810" y="1365403"/>
+              <a:ext cx="788506" cy="461665"/>
+            </a:xfrm>
+            <a:prstGeom prst="rect">
+              <a:avLst/>
+            </a:prstGeom>
+            <a:noFill/>
+          </p:spPr>
+          <p:txBody>
+            <a:bodyPr wrap="square" rtlCol="0">
+              <a:spAutoFit/>
+            </a:bodyPr>
+            <a:lstStyle/>
+            <a:p>
+              <a:pPr algn="ctr"/>
+              <a:r>
+                <a:rPr lang="en-US" sz="1200" dirty="0"/>
+                <a:t>Start</a:t>
+              </a:r>
+            </a:p>
+            <a:p>
+              <a:pPr algn="ctr"/>
+              <a:r>
+                <a:rPr lang="en-US" sz="1200" dirty="0"/>
+                <a:t>progress</a:t>
+              </a:r>
+            </a:p>
+          </p:txBody>
+        </p:sp>
+        <p:sp>
+          <p:nvSpPr>
+            <p:cNvPr id="49" name="TextBox 48">
+              <a:extLst>
+                <a:ext uri="{FF2B5EF4-FFF2-40B4-BE49-F238E27FC236}">
+                  <a16:creationId xmlns:a16="http://schemas.microsoft.com/office/drawing/2014/main" id="{34B15DB4-243A-8CA1-FCC8-DC942D56D89F}"/>
+                </a:ext>
+              </a:extLst>
+            </p:cNvPr>
+            <p:cNvSpPr txBox="1"/>
+            <p:nvPr/>
+          </p:nvSpPr>
+          <p:spPr>
+            <a:xfrm>
+              <a:off x="2756810" y="2842599"/>
+              <a:ext cx="788506" cy="461665"/>
+            </a:xfrm>
+            <a:prstGeom prst="rect">
+              <a:avLst/>
+            </a:prstGeom>
+            <a:noFill/>
+          </p:spPr>
+          <p:txBody>
+            <a:bodyPr wrap="square" rtlCol="0">
+              <a:spAutoFit/>
+            </a:bodyPr>
+            <a:lstStyle/>
+            <a:p>
+              <a:pPr algn="ctr"/>
+              <a:r>
+                <a:rPr lang="en-US" sz="1200" dirty="0"/>
+                <a:t>Show</a:t>
+              </a:r>
+            </a:p>
+            <a:p>
+              <a:pPr algn="ctr"/>
+              <a:r>
+                <a:rPr lang="en-US" sz="1200" dirty="0"/>
+                <a:t>progress</a:t>
+              </a:r>
+            </a:p>
+          </p:txBody>
+        </p:sp>
+        <p:sp>
+          <p:nvSpPr>
+            <p:cNvPr id="50" name="TextBox 49">
+              <a:extLst>
+                <a:ext uri="{FF2B5EF4-FFF2-40B4-BE49-F238E27FC236}">
+                  <a16:creationId xmlns:a16="http://schemas.microsoft.com/office/drawing/2014/main" id="{3C7C8384-7D6C-7D95-4816-ABBC66B16844}"/>
+                </a:ext>
+              </a:extLst>
+            </p:cNvPr>
+            <p:cNvSpPr txBox="1"/>
+            <p:nvPr/>
+          </p:nvSpPr>
+          <p:spPr>
+            <a:xfrm>
+              <a:off x="2740683" y="3910471"/>
+              <a:ext cx="788506" cy="461665"/>
+            </a:xfrm>
+            <a:prstGeom prst="rect">
+              <a:avLst/>
+            </a:prstGeom>
+            <a:noFill/>
+          </p:spPr>
+          <p:txBody>
+            <a:bodyPr wrap="square" rtlCol="0">
+              <a:spAutoFit/>
+            </a:bodyPr>
+            <a:lstStyle/>
+            <a:p>
+              <a:pPr algn="ctr"/>
+              <a:r>
+                <a:rPr lang="en-US" sz="1200" dirty="0"/>
+                <a:t>Show</a:t>
+              </a:r>
+            </a:p>
+            <a:p>
+              <a:pPr algn="ctr"/>
+              <a:r>
+                <a:rPr lang="en-US" sz="1200" dirty="0"/>
+                <a:t>progress</a:t>
+              </a:r>
+            </a:p>
+          </p:txBody>
+        </p:sp>
+        <p:sp>
+          <p:nvSpPr>
+            <p:cNvPr id="51" name="TextBox 50">
+              <a:extLst>
+                <a:ext uri="{FF2B5EF4-FFF2-40B4-BE49-F238E27FC236}">
+                  <a16:creationId xmlns:a16="http://schemas.microsoft.com/office/drawing/2014/main" id="{CAF948A7-3620-07E0-E11F-C8AA89250959}"/>
+                </a:ext>
+              </a:extLst>
+            </p:cNvPr>
+            <p:cNvSpPr txBox="1"/>
+            <p:nvPr/>
+          </p:nvSpPr>
+          <p:spPr>
+            <a:xfrm>
+              <a:off x="2740683" y="5549132"/>
+              <a:ext cx="788506" cy="461665"/>
+            </a:xfrm>
+            <a:prstGeom prst="rect">
+              <a:avLst/>
+            </a:prstGeom>
+            <a:noFill/>
+          </p:spPr>
+          <p:txBody>
+            <a:bodyPr wrap="square" rtlCol="0">
+              <a:spAutoFit/>
+            </a:bodyPr>
+            <a:lstStyle/>
+            <a:p>
+              <a:pPr algn="ctr"/>
+              <a:r>
+                <a:rPr lang="en-US" sz="1200" dirty="0"/>
+                <a:t>Show</a:t>
+              </a:r>
+            </a:p>
+            <a:p>
+              <a:pPr algn="ctr"/>
+              <a:r>
+                <a:rPr lang="en-US" sz="1200" dirty="0"/>
+                <a:t>results</a:t>
+              </a:r>
+            </a:p>
+          </p:txBody>
+        </p:sp>
+      </p:grpSp>
+    </p:spTree>
+    <p:extLst>
+      <p:ext uri="{BB962C8B-B14F-4D97-AF65-F5344CB8AC3E}">
+        <p14:creationId xmlns:p14="http://schemas.microsoft.com/office/powerpoint/2010/main" val="1845982193"/>
       </p:ext>
     </p:extLst>
   </p:cSld>
@@ -11352,10 +12916,16 @@
 <file path=customXml/itemProps4.xml><?xml version="1.0" encoding="utf-8"?>
 <ds:datastoreItem xmlns:ds="http://schemas.openxmlformats.org/officeDocument/2006/customXml" ds:itemID="{70FC3687-FE15-4F83-9455-E58C70E2FF27}">
   <ds:schemaRefs>
+    <ds:schemaRef ds:uri="http://schemas.microsoft.com/office/2006/documentManagement/types"/>
+    <ds:schemaRef ds:uri="http://purl.org/dc/terms/"/>
+    <ds:schemaRef ds:uri="7bbcdd92-f205-4b9c-9e5e-64b4cca3104e"/>
     <ds:schemaRef ds:uri="http://schemas.microsoft.com/office/2006/metadata/properties"/>
+    <ds:schemaRef ds:uri="http://www.w3.org/XML/1998/namespace"/>
+    <ds:schemaRef ds:uri="http://purl.org/dc/dcmitype/"/>
     <ds:schemaRef ds:uri="http://schemas.microsoft.com/office/infopath/2007/PartnerControls"/>
-    <ds:schemaRef ds:uri="7bbcdd92-f205-4b9c-9e5e-64b4cca3104e"/>
+    <ds:schemaRef ds:uri="http://schemas.openxmlformats.org/package/2006/metadata/core-properties"/>
     <ds:schemaRef ds:uri="70f51dfb-1851-47f9-bd61-2f4a6afff058"/>
+    <ds:schemaRef ds:uri="http://purl.org/dc/elements/1.1/"/>
   </ds:schemaRefs>
 </ds:datastoreItem>
 </file>